--- a/slides/CSFG7.pptx
+++ b/slides/CSFG7.pptx
@@ -9529,7 +9529,7 @@
               </a:spcBef>
             </a:pPr>
             <a:r>
-              <a:rPr lang="en-GB" sz="2800"/>
+              <a:rPr lang="en-GB" sz="2800" dirty="0"/>
               <a:t>Most commonly used: the Mann-Whitney U test </a:t>
             </a:r>
           </a:p>
@@ -9545,13 +9545,26 @@
               <a:buChar char="•"/>
             </a:pPr>
             <a:r>
-              <a:rPr lang="en-GB" sz="2400">
+              <a:rPr lang="en-GB" sz="2400" dirty="0">
                 <a:solidFill>
                   <a:srgbClr val="FFFF00"/>
                 </a:solidFill>
               </a:rPr>
-              <a:t>Uses ranks of data (like Spearman’s correlation)</a:t>
+              <a:t>Uses ranks of data (like Spearman’s correlation</a:t>
             </a:r>
+            <a:r>
+              <a:rPr lang="en-GB" sz="2400" dirty="0" smtClean="0">
+                <a:solidFill>
+                  <a:srgbClr val="FFFF00"/>
+                </a:solidFill>
+              </a:rPr>
+              <a:t>).</a:t>
+            </a:r>
+            <a:endParaRPr lang="en-GB" sz="2400" dirty="0">
+              <a:solidFill>
+                <a:srgbClr val="FFFF00"/>
+              </a:solidFill>
+            </a:endParaRPr>
           </a:p>
           <a:p>
             <a:pPr marL="814388" indent="-814388" eaLnBrk="0" hangingPunct="0">
@@ -9565,13 +9578,26 @@
               <a:buChar char="•"/>
             </a:pPr>
             <a:r>
-              <a:rPr lang="en-GB" sz="2400">
+              <a:rPr lang="en-GB" sz="2400" dirty="0">
                 <a:solidFill>
                   <a:srgbClr val="FFFF00"/>
                 </a:solidFill>
               </a:rPr>
-              <a:t>Does not require distributions of data to be normal</a:t>
+              <a:t>Does not require distributions of data to be </a:t>
             </a:r>
+            <a:r>
+              <a:rPr lang="en-GB" sz="2400" dirty="0" smtClean="0">
+                <a:solidFill>
+                  <a:srgbClr val="FFFF00"/>
+                </a:solidFill>
+              </a:rPr>
+              <a:t>normal.</a:t>
+            </a:r>
+            <a:endParaRPr lang="en-GB" sz="2400" dirty="0">
+              <a:solidFill>
+                <a:srgbClr val="FFFF00"/>
+              </a:solidFill>
+            </a:endParaRPr>
           </a:p>
           <a:p>
             <a:pPr marL="814388" indent="-814388" eaLnBrk="0" hangingPunct="0">
@@ -9585,7 +9611,7 @@
               <a:buChar char="•"/>
             </a:pPr>
             <a:r>
-              <a:rPr lang="en-GB" sz="2400">
+              <a:rPr lang="en-GB" sz="2400" dirty="0">
                 <a:solidFill>
                   <a:srgbClr val="FFFF00"/>
                 </a:solidFill>
@@ -9593,7 +9619,7 @@
               <a:t>Less powerful test (more false negatives) if distributions </a:t>
             </a:r>
             <a:r>
-              <a:rPr lang="en-GB" sz="2400" i="1">
+              <a:rPr lang="en-GB" sz="2400" i="1" dirty="0">
                 <a:solidFill>
                   <a:srgbClr val="FFFF00"/>
                 </a:solidFill>
@@ -9601,13 +9627,26 @@
               <a:t>are </a:t>
             </a:r>
             <a:r>
-              <a:rPr lang="en-GB" sz="2400">
+              <a:rPr lang="en-GB" sz="2400" dirty="0">
                 <a:solidFill>
                   <a:srgbClr val="FFFF00"/>
                 </a:solidFill>
               </a:rPr>
-              <a:t>normal (as all non-parametric tests)</a:t>
+              <a:t>normal (as all non-parametric tests</a:t>
             </a:r>
+            <a:r>
+              <a:rPr lang="en-GB" sz="2400" dirty="0" smtClean="0">
+                <a:solidFill>
+                  <a:srgbClr val="FFFF00"/>
+                </a:solidFill>
+              </a:rPr>
+              <a:t>).</a:t>
+            </a:r>
+            <a:endParaRPr lang="en-GB" sz="2400" dirty="0">
+              <a:solidFill>
+                <a:srgbClr val="FFFF00"/>
+              </a:solidFill>
+            </a:endParaRPr>
           </a:p>
           <a:p>
             <a:pPr marL="814388" indent="-814388" eaLnBrk="0" hangingPunct="0">
@@ -9619,8 +9658,16 @@
               </a:spcBef>
             </a:pPr>
             <a:r>
-              <a:rPr lang="en-GB" sz="2800"/>
-              <a:t>Also: Kolmorogov-Smirnov (K-S) test</a:t>
+              <a:rPr lang="en-GB" sz="2800" dirty="0"/>
+              <a:t>Also: </a:t>
+            </a:r>
+            <a:r>
+              <a:rPr lang="en-GB" sz="2800" dirty="0" err="1"/>
+              <a:t>Kolmorogov</a:t>
+            </a:r>
+            <a:r>
+              <a:rPr lang="en-GB" sz="2800" dirty="0"/>
+              <a:t>-Smirnov (K-S) test</a:t>
             </a:r>
           </a:p>
           <a:p>
@@ -9635,13 +9682,26 @@
               <a:buChar char="•"/>
             </a:pPr>
             <a:r>
-              <a:rPr lang="en-GB" sz="2400">
+              <a:rPr lang="en-GB" sz="2400" dirty="0">
                 <a:solidFill>
                   <a:srgbClr val="FFFF00"/>
                 </a:solidFill>
               </a:rPr>
-              <a:t>K-S test is for ‘goodness of fit’ – how well a distribution fits a mathematic model</a:t>
+              <a:t>K-S test is for ‘goodness of fit’ – how well a distribution fits a mathematic </a:t>
             </a:r>
+            <a:r>
+              <a:rPr lang="en-GB" sz="2400" dirty="0" smtClean="0">
+                <a:solidFill>
+                  <a:srgbClr val="FFFF00"/>
+                </a:solidFill>
+              </a:rPr>
+              <a:t>model.</a:t>
+            </a:r>
+            <a:endParaRPr lang="en-GB" sz="2400" dirty="0">
+              <a:solidFill>
+                <a:srgbClr val="FFFF00"/>
+              </a:solidFill>
+            </a:endParaRPr>
           </a:p>
           <a:p>
             <a:pPr marL="801688" lvl="1" indent="-266700" eaLnBrk="0" hangingPunct="0">
@@ -9655,13 +9715,26 @@
               <a:buChar char="•"/>
             </a:pPr>
             <a:r>
-              <a:rPr lang="en-GB" sz="2400">
+              <a:rPr lang="en-GB" sz="2400" dirty="0">
                 <a:solidFill>
                   <a:srgbClr val="FFFF00"/>
                 </a:solidFill>
               </a:rPr>
-              <a:t>‘Two-sample’ K-S test variant can be used as a non-parametric alternative to a t-test</a:t>
+              <a:t>‘Two-sample’ K-S test variant can be used as a non-parametric alternative to a t-</a:t>
             </a:r>
+            <a:r>
+              <a:rPr lang="en-GB" sz="2400" dirty="0" smtClean="0">
+                <a:solidFill>
+                  <a:srgbClr val="FFFF00"/>
+                </a:solidFill>
+              </a:rPr>
+              <a:t>test.</a:t>
+            </a:r>
+            <a:endParaRPr lang="en-GB" sz="2400" dirty="0">
+              <a:solidFill>
+                <a:srgbClr val="FFFF00"/>
+              </a:solidFill>
+            </a:endParaRPr>
           </a:p>
           <a:p>
             <a:pPr marL="801688" lvl="1" indent="-266700" eaLnBrk="0" hangingPunct="0">
@@ -9675,13 +9748,26 @@
               <a:buChar char="•"/>
             </a:pPr>
             <a:r>
-              <a:rPr lang="en-GB" sz="2400">
+              <a:rPr lang="en-GB" sz="2400" dirty="0">
                 <a:solidFill>
                   <a:srgbClr val="FFFF00"/>
                 </a:solidFill>
               </a:rPr>
-              <a:t>Tests more than just difference in means – tests other aspects of distribution shape</a:t>
+              <a:t>Tests more than just difference in means – tests other aspects of distribution </a:t>
             </a:r>
+            <a:r>
+              <a:rPr lang="en-GB" sz="2400" dirty="0" smtClean="0">
+                <a:solidFill>
+                  <a:srgbClr val="FFFF00"/>
+                </a:solidFill>
+              </a:rPr>
+              <a:t>shape.</a:t>
+            </a:r>
+            <a:endParaRPr lang="en-GB" sz="2400" dirty="0">
+              <a:solidFill>
+                <a:srgbClr val="FFFF00"/>
+              </a:solidFill>
+            </a:endParaRPr>
           </a:p>
           <a:p>
             <a:pPr marL="801688" lvl="1" indent="-266700" eaLnBrk="0" hangingPunct="0">
@@ -9695,7 +9781,7 @@
               <a:buChar char="•"/>
             </a:pPr>
             <a:r>
-              <a:rPr lang="en-GB" sz="2400">
+              <a:rPr lang="en-GB" sz="2400" dirty="0">
                 <a:solidFill>
                   <a:srgbClr val="FFFF00"/>
                 </a:solidFill>
@@ -9712,7 +9798,7 @@
                 <a:spcPts val="100"/>
               </a:spcBef>
             </a:pPr>
-            <a:endParaRPr lang="en-GB" sz="2800"/>
+            <a:endParaRPr lang="en-GB" sz="2800" dirty="0"/>
           </a:p>
           <a:p>
             <a:pPr marL="814388" indent="-814388" eaLnBrk="0" hangingPunct="0">
@@ -9724,7 +9810,7 @@
               </a:spcBef>
             </a:pPr>
             <a:r>
-              <a:rPr lang="en-GB" sz="2800"/>
+              <a:rPr lang="en-GB" sz="2800" dirty="0"/>
               <a:t>			</a:t>
             </a:r>
           </a:p>
@@ -10633,9 +10719,14 @@
               </a:spcBef>
             </a:pPr>
             <a:r>
-              <a:rPr lang="en-GB" sz="2800"/>
-              <a:t>Have already seen that p-values can be obtained for correlations (Pearson or Spearman)</a:t>
+              <a:rPr lang="en-GB" sz="2800" dirty="0"/>
+              <a:t>Have already seen that p-values can be obtained for correlations (Pearson or Spearman</a:t>
             </a:r>
+            <a:r>
+              <a:rPr lang="en-GB" sz="2800" dirty="0" smtClean="0"/>
+              <a:t>).</a:t>
+            </a:r>
+            <a:endParaRPr lang="en-GB" sz="2800" dirty="0"/>
           </a:p>
           <a:p>
             <a:pPr marL="814388" indent="-814388" eaLnBrk="0" hangingPunct="0">
@@ -10647,9 +10738,14 @@
               </a:spcBef>
             </a:pPr>
             <a:r>
-              <a:rPr lang="en-GB" sz="2800"/>
-              <a:t>Can test hypotheses of correlation with these</a:t>
+              <a:rPr lang="en-GB" sz="2800" dirty="0"/>
+              <a:t>Can test hypotheses of correlation with </a:t>
             </a:r>
+            <a:r>
+              <a:rPr lang="en-GB" sz="2800" dirty="0" smtClean="0"/>
+              <a:t>these.</a:t>
+            </a:r>
+            <a:endParaRPr lang="en-GB" sz="2800" dirty="0"/>
           </a:p>
           <a:p>
             <a:pPr marL="814388" indent="-814388" eaLnBrk="0" hangingPunct="0">
@@ -10661,7 +10757,7 @@
               </a:spcBef>
             </a:pPr>
             <a:r>
-              <a:rPr lang="en-GB" sz="2800">
+              <a:rPr lang="en-GB" sz="2800" dirty="0">
                 <a:solidFill>
                   <a:srgbClr val="FFFF99"/>
                 </a:solidFill>
@@ -10669,7 +10765,7 @@
               <a:t>H</a:t>
             </a:r>
             <a:r>
-              <a:rPr lang="en-GB" sz="2800" baseline="-25000">
+              <a:rPr lang="en-GB" sz="2800" baseline="-25000" dirty="0">
                 <a:solidFill>
                   <a:srgbClr val="FFFF99"/>
                 </a:solidFill>
@@ -10677,7 +10773,7 @@
               <a:t>0</a:t>
             </a:r>
             <a:r>
-              <a:rPr lang="en-GB" sz="2800">
+              <a:rPr lang="en-GB" sz="2800" dirty="0">
                 <a:solidFill>
                   <a:srgbClr val="FFFF99"/>
                 </a:solidFill>
@@ -10685,7 +10781,7 @@
               <a:t> : </a:t>
             </a:r>
             <a:r>
-              <a:rPr lang="en-GB" sz="2400">
+              <a:rPr lang="en-GB" sz="2400" dirty="0">
                 <a:solidFill>
                   <a:srgbClr val="FFFF99"/>
                 </a:solidFill>
@@ -10703,7 +10799,7 @@
               </a:spcBef>
             </a:pPr>
             <a:r>
-              <a:rPr lang="en-GB" sz="2800">
+              <a:rPr lang="en-GB" sz="2800" dirty="0">
                 <a:solidFill>
                   <a:srgbClr val="FFFF99"/>
                 </a:solidFill>
@@ -10711,7 +10807,7 @@
               <a:t>H</a:t>
             </a:r>
             <a:r>
-              <a:rPr lang="en-GB" sz="2800" baseline="-25000">
+              <a:rPr lang="en-GB" sz="2800" baseline="-25000" dirty="0">
                 <a:solidFill>
                   <a:srgbClr val="FFFF99"/>
                 </a:solidFill>
@@ -10719,7 +10815,7 @@
               <a:t>1</a:t>
             </a:r>
             <a:r>
-              <a:rPr lang="en-GB" sz="2800">
+              <a:rPr lang="en-GB" sz="2800" dirty="0">
                 <a:solidFill>
                   <a:srgbClr val="FFFF99"/>
                 </a:solidFill>
@@ -10727,7 +10823,7 @@
               <a:t> : </a:t>
             </a:r>
             <a:r>
-              <a:rPr lang="en-GB" sz="2400">
+              <a:rPr lang="en-GB" sz="2400" dirty="0">
                 <a:solidFill>
                   <a:srgbClr val="FFFF99"/>
                 </a:solidFill>
@@ -10745,7 +10841,7 @@
               </a:spcBef>
             </a:pPr>
             <a:r>
-              <a:rPr lang="en-GB" sz="2800">
+              <a:rPr lang="en-GB" sz="2800" dirty="0">
                 <a:solidFill>
                   <a:srgbClr val="FFFF99"/>
                 </a:solidFill>
@@ -10763,7 +10859,7 @@
               </a:spcBef>
             </a:pPr>
             <a:r>
-              <a:rPr lang="en-GB" sz="2800">
+              <a:rPr lang="en-GB" sz="2800" dirty="0">
                 <a:solidFill>
                   <a:srgbClr val="FFFF99"/>
                 </a:solidFill>
@@ -10781,7 +10877,7 @@
               </a:spcBef>
             </a:pPr>
             <a:r>
-              <a:rPr lang="en-GB" sz="2800">
+              <a:rPr lang="en-GB" sz="2800" dirty="0">
                 <a:solidFill>
                   <a:srgbClr val="FFFF99"/>
                 </a:solidFill>
@@ -10799,11 +10895,11 @@
               </a:spcBef>
             </a:pPr>
             <a:r>
-              <a:rPr lang="en-GB" sz="2800"/>
+              <a:rPr lang="en-GB" sz="2800" dirty="0"/>
               <a:t>i.e. if we can use Pearson we can accept H</a:t>
             </a:r>
             <a:r>
-              <a:rPr lang="en-GB" sz="2800" baseline="-25000"/>
+              <a:rPr lang="en-GB" sz="2800" baseline="-25000" dirty="0"/>
               <a:t>1</a:t>
             </a:r>
           </a:p>
@@ -10817,11 +10913,11 @@
               </a:spcBef>
             </a:pPr>
             <a:r>
-              <a:rPr lang="en-GB" sz="2800" baseline="-25000"/>
+              <a:rPr lang="en-GB" sz="2800" baseline="-25000" dirty="0"/>
               <a:t>...</a:t>
             </a:r>
             <a:r>
-              <a:rPr lang="en-GB" sz="2800"/>
+              <a:rPr lang="en-GB" sz="2800" dirty="0"/>
               <a:t> but with Spearman we can’t - not enough evidence</a:t>
             </a:r>
           </a:p>
@@ -10835,14 +10931,14 @@
               </a:spcBef>
             </a:pPr>
             <a:r>
-              <a:rPr lang="en-GB" sz="2800">
+              <a:rPr lang="en-GB" sz="2800" dirty="0">
                 <a:solidFill>
                   <a:srgbClr val="FFFF00"/>
                 </a:solidFill>
               </a:rPr>
               <a:t>Need to do a better job of deciding which to use!</a:t>
             </a:r>
-            <a:endParaRPr lang="en-GB" sz="2800"/>
+            <a:endParaRPr lang="en-GB" sz="2800" dirty="0"/>
           </a:p>
           <a:p>
             <a:pPr marL="814388" indent="-814388" eaLnBrk="0" hangingPunct="0">
@@ -10854,7 +10950,7 @@
               </a:spcBef>
             </a:pPr>
             <a:r>
-              <a:rPr lang="en-GB" sz="2800"/>
+              <a:rPr lang="en-GB" sz="2800" dirty="0"/>
               <a:t>			</a:t>
             </a:r>
           </a:p>
@@ -11824,7 +11920,7 @@
               </a:spcBef>
             </a:pPr>
             <a:r>
-              <a:rPr lang="en-GB" sz="2800"/>
+              <a:rPr lang="en-GB" sz="2800" dirty="0"/>
               <a:t>Rather than guess whether distribution is normal – can we test for it?</a:t>
             </a:r>
           </a:p>
@@ -11838,9 +11934,14 @@
               </a:spcBef>
             </a:pPr>
             <a:r>
-              <a:rPr lang="en-GB" sz="2800"/>
-              <a:t>Yes – becomes another hypothesis test</a:t>
+              <a:rPr lang="en-GB" sz="2800" dirty="0"/>
+              <a:t>Yes – becomes another hypothesis </a:t>
             </a:r>
+            <a:r>
+              <a:rPr lang="en-GB" sz="2800" dirty="0" smtClean="0"/>
+              <a:t>test:</a:t>
+            </a:r>
+            <a:endParaRPr lang="en-GB" sz="2800" dirty="0"/>
           </a:p>
           <a:p>
             <a:pPr marL="814388" indent="-814388" eaLnBrk="0" hangingPunct="0">
@@ -11852,7 +11953,7 @@
               </a:spcBef>
             </a:pPr>
             <a:r>
-              <a:rPr lang="en-GB" sz="2800">
+              <a:rPr lang="en-GB" sz="2800" dirty="0">
                 <a:solidFill>
                   <a:srgbClr val="FFFF99"/>
                 </a:solidFill>
@@ -11860,7 +11961,7 @@
               <a:t>H</a:t>
             </a:r>
             <a:r>
-              <a:rPr lang="en-GB" sz="2800" baseline="-25000">
+              <a:rPr lang="en-GB" sz="2800" baseline="-25000" dirty="0">
                 <a:solidFill>
                   <a:srgbClr val="FFFF99"/>
                 </a:solidFill>
@@ -11868,7 +11969,7 @@
               <a:t>0</a:t>
             </a:r>
             <a:r>
-              <a:rPr lang="en-GB" sz="2800">
+              <a:rPr lang="en-GB" sz="2800" dirty="0">
                 <a:solidFill>
                   <a:srgbClr val="FFFF99"/>
                 </a:solidFill>
@@ -11886,7 +11987,7 @@
               </a:spcBef>
             </a:pPr>
             <a:r>
-              <a:rPr lang="en-GB" sz="2800">
+              <a:rPr lang="en-GB" sz="2800" dirty="0">
                 <a:solidFill>
                   <a:srgbClr val="FFFF99"/>
                 </a:solidFill>
@@ -11894,7 +11995,7 @@
               <a:t>H</a:t>
             </a:r>
             <a:r>
-              <a:rPr lang="en-GB" sz="2800" baseline="-25000">
+              <a:rPr lang="en-GB" sz="2800" baseline="-25000" dirty="0">
                 <a:solidFill>
                   <a:srgbClr val="FFFF99"/>
                 </a:solidFill>
@@ -11902,7 +12003,7 @@
               <a:t>1</a:t>
             </a:r>
             <a:r>
-              <a:rPr lang="en-GB" sz="2800">
+              <a:rPr lang="en-GB" sz="2800" dirty="0">
                 <a:solidFill>
                   <a:srgbClr val="FFFF99"/>
                 </a:solidFill>
@@ -11920,9 +12021,14 @@
               </a:spcBef>
             </a:pPr>
             <a:r>
-              <a:rPr lang="en-GB" sz="2800"/>
-              <a:t>Many different tests of normality exist – no agreement on which is best</a:t>
+              <a:rPr lang="en-GB" sz="2800" dirty="0"/>
+              <a:t>Many different tests of normality exist – no agreement on which is </a:t>
             </a:r>
+            <a:r>
+              <a:rPr lang="en-GB" sz="2800" dirty="0" smtClean="0"/>
+              <a:t>best.</a:t>
+            </a:r>
+            <a:endParaRPr lang="en-GB" sz="2800" dirty="0"/>
           </a:p>
           <a:p>
             <a:pPr marL="814388" indent="-814388" eaLnBrk="0" hangingPunct="0">
@@ -11934,26 +12040,38 @@
               </a:spcBef>
             </a:pPr>
             <a:r>
-              <a:rPr lang="en-GB" sz="2800" i="1" u="sng"/>
-              <a:t>Probably</a:t>
+              <a:rPr lang="en-GB" sz="2800" u="sng" dirty="0" smtClean="0"/>
+              <a:t>A good solution</a:t>
             </a:r>
             <a:r>
-              <a:rPr lang="en-GB" sz="2800" i="1"/>
+              <a:rPr lang="en-GB" sz="2800" dirty="0" smtClean="0"/>
               <a:t> </a:t>
             </a:r>
             <a:r>
-              <a:rPr lang="en-GB" sz="2800"/>
-              <a:t>best is D’Agostino &amp; Pearson combined test – </a:t>
+              <a:rPr lang="en-GB" sz="2800" dirty="0"/>
+              <a:t>is </a:t>
             </a:r>
             <a:r>
-              <a:rPr lang="en-GB" sz="2800" i="1"/>
+              <a:rPr lang="en-GB" sz="2800" dirty="0" err="1"/>
+              <a:t>D’Agostino</a:t>
+            </a:r>
+            <a:r>
+              <a:rPr lang="en-GB" sz="2800" dirty="0"/>
+              <a:t> &amp; Pearson combined test – </a:t>
+            </a:r>
+            <a:r>
+              <a:rPr lang="en-GB" sz="2800" i="1" dirty="0" err="1"/>
               <a:t>normaltest</a:t>
             </a:r>
             <a:r>
-              <a:rPr lang="en-GB" sz="2800"/>
-              <a:t> function in scipy.stats</a:t>
+              <a:rPr lang="en-GB" sz="2800" dirty="0"/>
+              <a:t> function in </a:t>
             </a:r>
-            <a:endParaRPr lang="en-GB" sz="2800" i="1"/>
+            <a:r>
+              <a:rPr lang="en-GB" sz="2800" dirty="0" err="1"/>
+              <a:t>scipy.stats</a:t>
+            </a:r>
+            <a:endParaRPr lang="en-GB" sz="2800" i="1" dirty="0"/>
           </a:p>
           <a:p>
             <a:pPr marL="814388" indent="-814388" eaLnBrk="0" hangingPunct="0">
@@ -11965,7 +12083,7 @@
               </a:spcBef>
             </a:pPr>
             <a:r>
-              <a:rPr lang="en-GB" sz="2800">
+              <a:rPr lang="en-GB" sz="2800" dirty="0">
                 <a:solidFill>
                   <a:srgbClr val="FFFF00"/>
                 </a:solidFill>
@@ -11982,7 +12100,7 @@
                 <a:spcPct val="20000"/>
               </a:spcBef>
             </a:pPr>
-            <a:endParaRPr lang="en-GB" sz="2800"/>
+            <a:endParaRPr lang="en-GB" sz="2800" dirty="0"/>
           </a:p>
           <a:p>
             <a:pPr marL="814388" indent="-814388" eaLnBrk="0" hangingPunct="0">
@@ -11994,7 +12112,7 @@
               </a:spcBef>
             </a:pPr>
             <a:r>
-              <a:rPr lang="en-GB" sz="2800"/>
+              <a:rPr lang="en-GB" sz="2800" dirty="0"/>
               <a:t>			</a:t>
             </a:r>
           </a:p>
@@ -13107,9 +13225,14 @@
               </a:spcBef>
             </a:pPr>
             <a:r>
-              <a:rPr lang="en-GB" sz="2800"/>
-              <a:t>Inferential statistics – ways to answer questions</a:t>
+              <a:rPr lang="en-GB" sz="2800" dirty="0"/>
+              <a:t>Inferential statistics – ways to answer </a:t>
             </a:r>
+            <a:r>
+              <a:rPr lang="en-GB" sz="2800" dirty="0" smtClean="0"/>
+              <a:t>questions:</a:t>
+            </a:r>
+            <a:endParaRPr lang="en-GB" sz="2800" dirty="0"/>
           </a:p>
           <a:p>
             <a:pPr marL="814388" indent="-814388" eaLnBrk="0" hangingPunct="0">
@@ -13121,7 +13244,7 @@
               </a:spcBef>
             </a:pPr>
             <a:r>
-              <a:rPr lang="en-GB" sz="2400">
+              <a:rPr lang="en-GB" sz="2400" dirty="0">
                 <a:solidFill>
                   <a:srgbClr val="FFFF99"/>
                 </a:solidFill>
@@ -13138,7 +13261,7 @@
                 <a:spcPct val="20000"/>
               </a:spcBef>
             </a:pPr>
-            <a:endParaRPr lang="en-GB" sz="2800"/>
+            <a:endParaRPr lang="en-GB" sz="2800" dirty="0"/>
           </a:p>
           <a:p>
             <a:pPr marL="814388" indent="-814388" eaLnBrk="0" hangingPunct="0">
@@ -13150,7 +13273,7 @@
               </a:spcBef>
             </a:pPr>
             <a:r>
-              <a:rPr lang="en-GB" sz="2800"/>
+              <a:rPr lang="en-GB" sz="2800" dirty="0"/>
               <a:t>			</a:t>
             </a:r>
           </a:p>
@@ -26419,8 +26542,23 @@
                 </a:solidFill>
                 <a:ea typeface="+mn-ea"/>
               </a:rPr>
-              <a:t>Interested in whether energy levels different in A and B - will bear on theories of how they formed</a:t>
+              <a:t>Interested in whether energy levels different in A and B - will bear on theories of how they </a:t>
             </a:r>
+            <a:r>
+              <a:rPr lang="en-GB" sz="2000" dirty="0" smtClean="0">
+                <a:solidFill>
+                  <a:srgbClr val="FFFF00"/>
+                </a:solidFill>
+                <a:ea typeface="+mn-ea"/>
+              </a:rPr>
+              <a:t>formed.</a:t>
+            </a:r>
+            <a:endParaRPr lang="en-GB" sz="2000" dirty="0">
+              <a:solidFill>
+                <a:srgbClr val="FFFF00"/>
+              </a:solidFill>
+              <a:ea typeface="+mn-ea"/>
+            </a:endParaRPr>
           </a:p>
           <a:p>
             <a:pPr marL="180975" indent="-180975" eaLnBrk="0" hangingPunct="0">
@@ -26479,8 +26617,23 @@
                 </a:solidFill>
                 <a:ea typeface="+mn-ea"/>
               </a:rPr>
-              <a:t>To answer this we </a:t>
+              <a:t>To answer this </a:t>
             </a:r>
+            <a:r>
+              <a:rPr lang="en-GB" sz="2000" dirty="0" smtClean="0">
+                <a:solidFill>
+                  <a:srgbClr val="FFFF00"/>
+                </a:solidFill>
+                <a:ea typeface="+mn-ea"/>
+              </a:rPr>
+              <a:t>we:</a:t>
+            </a:r>
+            <a:endParaRPr lang="en-GB" sz="2000" dirty="0">
+              <a:solidFill>
+                <a:srgbClr val="FFFF00"/>
+              </a:solidFill>
+              <a:ea typeface="+mn-ea"/>
+            </a:endParaRPr>
           </a:p>
           <a:p>
             <a:pPr marL="457200" indent="-457200" eaLnBrk="0" hangingPunct="0">
@@ -26495,13 +26648,22 @@
               <a:defRPr/>
             </a:pPr>
             <a:r>
+              <a:rPr lang="en-GB" sz="2000" dirty="0" smtClean="0">
+                <a:solidFill>
+                  <a:srgbClr val="FFFF00"/>
+                </a:solidFill>
+                <a:ea typeface="+mn-ea"/>
+              </a:rPr>
+              <a:t>Formulate </a:t>
+            </a:r>
+            <a:r>
               <a:rPr lang="en-GB" sz="2000" dirty="0">
                 <a:solidFill>
                   <a:srgbClr val="FFFF00"/>
                 </a:solidFill>
                 <a:ea typeface="+mn-ea"/>
               </a:rPr>
-              <a:t>formulate formal </a:t>
+              <a:t>formal </a:t>
             </a:r>
             <a:r>
               <a:rPr lang="en-GB" sz="2000" i="1" dirty="0">
@@ -26541,7 +26703,16 @@
                 </a:solidFill>
                 <a:ea typeface="+mn-ea"/>
               </a:rPr>
-              <a:t>hypothesis test</a:t>
+              <a:t>hypothesis </a:t>
+            </a:r>
+            <a:r>
+              <a:rPr lang="en-GB" sz="2000" i="1" dirty="0" smtClean="0">
+                <a:solidFill>
+                  <a:srgbClr val="FFFF00"/>
+                </a:solidFill>
+                <a:ea typeface="+mn-ea"/>
+              </a:rPr>
+              <a:t>test.</a:t>
             </a:r>
             <a:endParaRPr lang="en-GB" sz="2000" dirty="0">
               <a:solidFill>
@@ -27369,9 +27540,14 @@
               </a:spcBef>
             </a:pPr>
             <a:r>
-              <a:rPr lang="en-GB" sz="2800"/>
-              <a:t>We formulate two hypotheses</a:t>
+              <a:rPr lang="en-GB" sz="2800" dirty="0"/>
+              <a:t>We formulate two </a:t>
             </a:r>
+            <a:r>
+              <a:rPr lang="en-GB" sz="2800" dirty="0" smtClean="0"/>
+              <a:t>hypotheses:</a:t>
+            </a:r>
+            <a:endParaRPr lang="en-GB" sz="2800" dirty="0"/>
           </a:p>
           <a:p>
             <a:pPr marL="814388" indent="-814388" eaLnBrk="0" hangingPunct="0">
@@ -27383,23 +27559,23 @@
               </a:spcBef>
             </a:pPr>
             <a:r>
-              <a:rPr lang="en-GB" sz="2800"/>
+              <a:rPr lang="en-GB" sz="2800" dirty="0"/>
               <a:t>The ‘</a:t>
             </a:r>
             <a:r>
-              <a:rPr lang="en-GB" sz="2800" i="1"/>
+              <a:rPr lang="en-GB" sz="2800" i="1" dirty="0"/>
               <a:t>Null hypothesis’ </a:t>
             </a:r>
             <a:r>
-              <a:rPr lang="en-GB" sz="2800"/>
+              <a:rPr lang="en-GB" sz="2800" dirty="0"/>
               <a:t>(H</a:t>
             </a:r>
             <a:r>
-              <a:rPr lang="en-GB" sz="2800" baseline="-25000"/>
+              <a:rPr lang="en-GB" sz="2800" baseline="-25000" dirty="0"/>
               <a:t>0</a:t>
             </a:r>
             <a:r>
-              <a:rPr lang="en-GB" sz="2800"/>
+              <a:rPr lang="en-GB" sz="2800" dirty="0"/>
               <a:t>) </a:t>
             </a:r>
           </a:p>
@@ -27413,7 +27589,7 @@
               </a:spcBef>
             </a:pPr>
             <a:r>
-              <a:rPr lang="en-GB" sz="2400">
+              <a:rPr lang="en-GB" sz="2400" dirty="0">
                 <a:solidFill>
                   <a:srgbClr val="FFFF99"/>
                 </a:solidFill>
@@ -27431,23 +27607,23 @@
               </a:spcBef>
             </a:pPr>
             <a:r>
-              <a:rPr lang="en-GB" sz="2800"/>
+              <a:rPr lang="en-GB" sz="2800" dirty="0"/>
               <a:t>...and an ‘</a:t>
             </a:r>
             <a:r>
-              <a:rPr lang="en-GB" sz="2800" i="1"/>
+              <a:rPr lang="en-GB" sz="2800" i="1" dirty="0"/>
               <a:t>Alternative hypothesis’ </a:t>
             </a:r>
             <a:r>
-              <a:rPr lang="en-GB" sz="2800"/>
+              <a:rPr lang="en-GB" sz="2800" dirty="0"/>
               <a:t>(H</a:t>
             </a:r>
             <a:r>
-              <a:rPr lang="en-GB" sz="2800" baseline="-25000"/>
+              <a:rPr lang="en-GB" sz="2800" baseline="-25000" dirty="0"/>
               <a:t>1</a:t>
             </a:r>
             <a:r>
-              <a:rPr lang="en-GB" sz="2800"/>
+              <a:rPr lang="en-GB" sz="2800" dirty="0"/>
               <a:t>) </a:t>
             </a:r>
           </a:p>
@@ -27461,13 +27637,26 @@
               </a:spcBef>
             </a:pPr>
             <a:r>
-              <a:rPr lang="en-GB" sz="2400">
+              <a:rPr lang="en-GB" sz="2400" dirty="0">
                 <a:solidFill>
                   <a:srgbClr val="FFFF99"/>
                 </a:solidFill>
               </a:rPr>
-              <a:t>‘The mean maximum grain size is higher in sample B than it is in sample A’</a:t>
+              <a:t>‘The mean maximum grain size is higher in sample B than it is in sample A</a:t>
             </a:r>
+            <a:r>
+              <a:rPr lang="en-GB" sz="2400" dirty="0" smtClean="0">
+                <a:solidFill>
+                  <a:srgbClr val="FFFF99"/>
+                </a:solidFill>
+              </a:rPr>
+              <a:t>’</a:t>
+            </a:r>
+            <a:endParaRPr lang="en-GB" sz="2400" dirty="0">
+              <a:solidFill>
+                <a:srgbClr val="FFFF99"/>
+              </a:solidFill>
+            </a:endParaRPr>
           </a:p>
           <a:p>
             <a:pPr marL="814388" indent="-814388" eaLnBrk="0" hangingPunct="0">
@@ -27479,29 +27668,38 @@
               </a:spcBef>
             </a:pPr>
             <a:r>
-              <a:rPr lang="en-GB" sz="2800"/>
-              <a:t>We only accept H</a:t>
+              <a:rPr lang="en-GB" sz="2800" dirty="0" smtClean="0"/>
+              <a:t>Only </a:t>
             </a:r>
             <a:r>
-              <a:rPr lang="en-GB" sz="2800" baseline="-25000"/>
+              <a:rPr lang="en-GB" sz="2800" dirty="0"/>
+              <a:t>accept H</a:t>
+            </a:r>
+            <a:r>
+              <a:rPr lang="en-GB" sz="2800" baseline="-25000" dirty="0"/>
               <a:t>1</a:t>
             </a:r>
             <a:r>
-              <a:rPr lang="en-GB" sz="2800"/>
+              <a:rPr lang="en-GB" sz="2800" dirty="0"/>
               <a:t> if it is very unlikely that H</a:t>
             </a:r>
             <a:r>
-              <a:rPr lang="en-GB" sz="2800" baseline="-25000"/>
+              <a:rPr lang="en-GB" sz="2800" baseline="-25000" dirty="0"/>
               <a:t>0</a:t>
             </a:r>
             <a:r>
-              <a:rPr lang="en-GB" sz="2800"/>
-              <a:t> can explain our observations – otherwise we reject H</a:t>
+              <a:rPr lang="en-GB" sz="2800" dirty="0"/>
+              <a:t> can explain our observations – otherwise </a:t>
             </a:r>
             <a:r>
-              <a:rPr lang="en-GB" sz="2800" baseline="-25000"/>
-              <a:t>1</a:t>
+              <a:rPr lang="en-GB" sz="2800" dirty="0" smtClean="0"/>
+              <a:t>reject H</a:t>
             </a:r>
+            <a:r>
+              <a:rPr lang="en-GB" sz="2800" baseline="-25000" dirty="0" smtClean="0"/>
+              <a:t>1.</a:t>
+            </a:r>
+            <a:endParaRPr lang="en-GB" sz="2800" baseline="-25000" dirty="0"/>
           </a:p>
           <a:p>
             <a:pPr marL="814388" indent="-814388" eaLnBrk="0" hangingPunct="0">
@@ -27513,7 +27711,7 @@
               </a:spcBef>
             </a:pPr>
             <a:r>
-              <a:rPr lang="en-GB" sz="2800"/>
+              <a:rPr lang="en-GB" sz="2800" dirty="0"/>
               <a:t>Analogy to criminal trials</a:t>
             </a:r>
           </a:p>
@@ -27527,7 +27725,7 @@
               </a:spcBef>
             </a:pPr>
             <a:r>
-              <a:rPr lang="en-GB" sz="2400">
+              <a:rPr lang="en-GB" sz="2400" dirty="0">
                 <a:solidFill>
                   <a:srgbClr val="FFFF99"/>
                 </a:solidFill>
@@ -27535,7 +27733,7 @@
               <a:t>‘Not guilty’ is H</a:t>
             </a:r>
             <a:r>
-              <a:rPr lang="en-GB" sz="2400" baseline="-25000">
+              <a:rPr lang="en-GB" sz="2400" baseline="-25000" dirty="0">
                 <a:solidFill>
                   <a:srgbClr val="FFFF99"/>
                 </a:solidFill>
@@ -27543,21 +27741,34 @@
               <a:t>0 , </a:t>
             </a:r>
             <a:r>
-              <a:rPr lang="en-GB" sz="2400">
+              <a:rPr lang="en-GB" sz="2400" dirty="0">
                 <a:solidFill>
                   <a:srgbClr val="FFFF99"/>
                 </a:solidFill>
               </a:rPr>
-              <a:t>‘Guilty’ is H</a:t>
+              <a:t>‘Guilty’ is </a:t>
             </a:r>
             <a:r>
-              <a:rPr lang="en-GB" sz="2400" baseline="-25000">
+              <a:rPr lang="en-GB" sz="2400" dirty="0" smtClean="0">
                 <a:solidFill>
                   <a:srgbClr val="FFFF99"/>
                 </a:solidFill>
               </a:rPr>
-              <a:t>1</a:t>
+              <a:t>H</a:t>
             </a:r>
+            <a:r>
+              <a:rPr lang="en-GB" sz="2400" baseline="-25000" dirty="0" smtClean="0">
+                <a:solidFill>
+                  <a:srgbClr val="FFFF99"/>
+                </a:solidFill>
+              </a:rPr>
+              <a:t>1.</a:t>
+            </a:r>
+            <a:endParaRPr lang="en-GB" sz="2400" baseline="-25000" dirty="0">
+              <a:solidFill>
+                <a:srgbClr val="FFFF99"/>
+              </a:solidFill>
+            </a:endParaRPr>
           </a:p>
           <a:p>
             <a:pPr marL="1271588" lvl="1" indent="-814388" eaLnBrk="0" hangingPunct="0">
@@ -27569,7 +27780,7 @@
               </a:spcBef>
             </a:pPr>
             <a:r>
-              <a:rPr lang="en-GB" sz="2400">
+              <a:rPr lang="en-GB" sz="2400" dirty="0">
                 <a:solidFill>
                   <a:srgbClr val="FFFF99"/>
                 </a:solidFill>
@@ -27577,7 +27788,7 @@
               <a:t>Not ‘guilty’ (H</a:t>
             </a:r>
             <a:r>
-              <a:rPr lang="en-GB" sz="2400" baseline="-25000">
+              <a:rPr lang="en-GB" sz="2400" baseline="-25000" dirty="0">
                 <a:solidFill>
                   <a:srgbClr val="FFFF99"/>
                 </a:solidFill>
@@ -27585,7 +27796,7 @@
               <a:t>0</a:t>
             </a:r>
             <a:r>
-              <a:rPr lang="en-GB" sz="2400">
+              <a:rPr lang="en-GB" sz="2400" dirty="0">
                 <a:solidFill>
                   <a:srgbClr val="FFFF99"/>
                 </a:solidFill>
@@ -27593,7 +27804,7 @@
               <a:t>) verdict returned unless ‘Guilty’ (H</a:t>
             </a:r>
             <a:r>
-              <a:rPr lang="en-GB" sz="2400" baseline="-25000">
+              <a:rPr lang="en-GB" sz="2400" baseline="-25000" dirty="0">
                 <a:solidFill>
                   <a:srgbClr val="FFFF99"/>
                 </a:solidFill>
@@ -27601,14 +27812,22 @@
               <a:t>1</a:t>
             </a:r>
             <a:r>
-              <a:rPr lang="en-GB" sz="2400">
+              <a:rPr lang="en-GB" sz="2400" dirty="0">
                 <a:solidFill>
                   <a:srgbClr val="FFFF99"/>
                 </a:solidFill>
               </a:rPr>
-              <a:t>) proven ‘beyond reasonable doubt’</a:t>
+              <a:t>) proven ‘beyond reasonable doubt</a:t>
             </a:r>
-            <a:endParaRPr lang="en-GB" sz="2400" baseline="-25000">
+            <a:r>
+              <a:rPr lang="en-GB" sz="2400" dirty="0" smtClean="0">
+                <a:solidFill>
+                  <a:srgbClr val="FFFF99"/>
+                </a:solidFill>
+              </a:rPr>
+              <a:t>’.</a:t>
+            </a:r>
+            <a:endParaRPr lang="en-GB" sz="2400" baseline="-25000" dirty="0">
               <a:solidFill>
                 <a:srgbClr val="FFFF99"/>
               </a:solidFill>
@@ -27625,7 +27844,7 @@
               <a:buFontTx/>
               <a:buChar char="-"/>
             </a:pPr>
-            <a:endParaRPr lang="en-GB" sz="2800">
+            <a:endParaRPr lang="en-GB" sz="2800" dirty="0">
               <a:solidFill>
                 <a:srgbClr val="FFFF99"/>
               </a:solidFill>
@@ -27640,7 +27859,7 @@
                 <a:spcPct val="20000"/>
               </a:spcBef>
             </a:pPr>
-            <a:endParaRPr lang="en-GB" sz="2800"/>
+            <a:endParaRPr lang="en-GB" sz="2800" dirty="0"/>
           </a:p>
           <a:p>
             <a:pPr marL="814388" indent="-814388" eaLnBrk="0" hangingPunct="0">
@@ -27651,7 +27870,7 @@
                 <a:spcPct val="20000"/>
               </a:spcBef>
             </a:pPr>
-            <a:endParaRPr lang="en-GB" sz="2800"/>
+            <a:endParaRPr lang="en-GB" sz="2800" dirty="0"/>
           </a:p>
           <a:p>
             <a:pPr marL="814388" indent="-814388" eaLnBrk="0" hangingPunct="0">
@@ -27663,7 +27882,7 @@
               </a:spcBef>
             </a:pPr>
             <a:r>
-              <a:rPr lang="en-GB" sz="2800"/>
+              <a:rPr lang="en-GB" sz="2800" dirty="0"/>
               <a:t>			</a:t>
             </a:r>
           </a:p>
@@ -28572,7 +28791,7 @@
               </a:spcBef>
             </a:pPr>
             <a:r>
-              <a:rPr lang="en-GB" sz="2800"/>
+              <a:rPr lang="en-GB" sz="2800" dirty="0"/>
               <a:t>Many different types of statistical tests exist:</a:t>
             </a:r>
           </a:p>
@@ -28588,13 +28807,26 @@
               <a:buChar char="•"/>
             </a:pPr>
             <a:r>
-              <a:rPr lang="en-GB" sz="2800">
+              <a:rPr lang="en-GB" sz="2800" dirty="0">
                 <a:solidFill>
                   <a:srgbClr val="FFFF00"/>
                 </a:solidFill>
               </a:rPr>
-              <a:t>To test different types of hypothesis </a:t>
+              <a:t>To test different types of </a:t>
             </a:r>
+            <a:r>
+              <a:rPr lang="en-GB" sz="2800" dirty="0" smtClean="0">
+                <a:solidFill>
+                  <a:srgbClr val="FFFF00"/>
+                </a:solidFill>
+              </a:rPr>
+              <a:t>hypothesis.</a:t>
+            </a:r>
+            <a:endParaRPr lang="en-GB" sz="2800" dirty="0">
+              <a:solidFill>
+                <a:srgbClr val="FFFF00"/>
+              </a:solidFill>
+            </a:endParaRPr>
           </a:p>
           <a:p>
             <a:pPr marL="801688" lvl="1" indent="-344488" eaLnBrk="0" hangingPunct="0">
@@ -28608,14 +28840,22 @@
               <a:buChar char="•"/>
             </a:pPr>
             <a:r>
-              <a:rPr lang="en-GB" sz="2800">
+              <a:rPr lang="en-GB" sz="2800" dirty="0">
                 <a:solidFill>
                   <a:srgbClr val="FFFF00"/>
                 </a:solidFill>
               </a:rPr>
-              <a:t>To handle different types of data</a:t>
+              <a:t>To handle different types of </a:t>
             </a:r>
-            <a:endParaRPr lang="en-GB" sz="2400" baseline="-25000">
+            <a:r>
+              <a:rPr lang="en-GB" sz="2800" dirty="0" smtClean="0">
+                <a:solidFill>
+                  <a:srgbClr val="FFFF00"/>
+                </a:solidFill>
+              </a:rPr>
+              <a:t>data.</a:t>
+            </a:r>
+            <a:endParaRPr lang="en-GB" sz="2400" baseline="-25000" dirty="0">
               <a:solidFill>
                 <a:srgbClr val="FFFF00"/>
               </a:solidFill>
@@ -28631,26 +28871,34 @@
               </a:spcBef>
             </a:pPr>
             <a:r>
-              <a:rPr lang="en-GB" sz="2800"/>
-              <a:t>Here we will use the </a:t>
+              <a:rPr lang="en-GB" sz="2800" i="1" dirty="0" smtClean="0"/>
+              <a:t>Student’s </a:t>
             </a:r>
             <a:r>
-              <a:rPr lang="en-GB" sz="2800" i="1"/>
-              <a:t>Student’s T-test </a:t>
+              <a:rPr lang="en-GB" sz="2800" i="1" dirty="0"/>
+              <a:t>T-test </a:t>
             </a:r>
             <a:r>
-              <a:rPr lang="en-GB" sz="2800"/>
+              <a:rPr lang="en-GB" sz="2800" dirty="0"/>
               <a:t>– </a:t>
             </a:r>
             <a:r>
-              <a:rPr lang="en-GB" sz="2400">
+              <a:rPr lang="en-GB" sz="2400" dirty="0">
                 <a:solidFill>
                   <a:srgbClr val="FFFF99"/>
                 </a:solidFill>
               </a:rPr>
-              <a:t>test to assess probability that two samples have same underlying mean</a:t>
+              <a:t>test to assess probability that two samples have same underlying </a:t>
             </a:r>
-            <a:endParaRPr lang="en-GB" sz="2800" i="1">
+            <a:r>
+              <a:rPr lang="en-GB" sz="2400" dirty="0" smtClean="0">
+                <a:solidFill>
+                  <a:srgbClr val="FFFF99"/>
+                </a:solidFill>
+              </a:rPr>
+              <a:t>mean.</a:t>
+            </a:r>
+            <a:endParaRPr lang="en-GB" sz="2800" i="1" dirty="0">
               <a:solidFill>
                 <a:srgbClr val="FFFF99"/>
               </a:solidFill>
@@ -28666,21 +28914,26 @@
               </a:spcBef>
             </a:pPr>
             <a:r>
-              <a:rPr lang="en-GB" sz="2800"/>
+              <a:rPr lang="en-GB" sz="2800" dirty="0"/>
               <a:t>Function in </a:t>
             </a:r>
             <a:r>
-              <a:rPr lang="en-GB" sz="2800" i="1"/>
-              <a:t>scipy.stats </a:t>
+              <a:rPr lang="en-GB" sz="2800" i="1" dirty="0" err="1"/>
+              <a:t>scipy.stats</a:t>
             </a:r>
             <a:r>
-              <a:rPr lang="en-GB" sz="2800"/>
+              <a:rPr lang="en-GB" sz="2800" i="1" dirty="0"/>
+              <a:t> </a:t>
+            </a:r>
+            <a:r>
+              <a:rPr lang="en-GB" sz="2800" dirty="0"/>
               <a:t>is </a:t>
             </a:r>
             <a:r>
-              <a:rPr lang="en-GB" sz="2800" i="1"/>
+              <a:rPr lang="en-GB" sz="2800" i="1" dirty="0" err="1"/>
               <a:t>ttest_ind</a:t>
             </a:r>
+            <a:endParaRPr lang="en-GB" sz="2800" i="1" dirty="0"/>
           </a:p>
           <a:p>
             <a:pPr marL="801688" lvl="1" indent="-344488" eaLnBrk="0" hangingPunct="0">
@@ -28694,13 +28947,26 @@
               <a:buChar char="-"/>
             </a:pPr>
             <a:r>
-              <a:rPr lang="en-GB" sz="2400">
+              <a:rPr lang="en-GB" sz="2400" dirty="0">
                 <a:solidFill>
                   <a:srgbClr val="FFFF00"/>
                 </a:solidFill>
               </a:rPr>
-              <a:t>Takes two lists/arrays of values – i.e. two samples</a:t>
+              <a:t>Takes two lists/arrays of values – i.e. two </a:t>
             </a:r>
+            <a:r>
+              <a:rPr lang="en-GB" sz="2400" dirty="0" smtClean="0">
+                <a:solidFill>
+                  <a:srgbClr val="FFFF00"/>
+                </a:solidFill>
+              </a:rPr>
+              <a:t>samples.</a:t>
+            </a:r>
+            <a:endParaRPr lang="en-GB" sz="2400" dirty="0">
+              <a:solidFill>
+                <a:srgbClr val="FFFF00"/>
+              </a:solidFill>
+            </a:endParaRPr>
           </a:p>
           <a:p>
             <a:pPr marL="801688" lvl="1" indent="-344488" eaLnBrk="0" hangingPunct="0">
@@ -28714,13 +28980,26 @@
               <a:buChar char="-"/>
             </a:pPr>
             <a:r>
-              <a:rPr lang="en-GB" sz="2300">
+              <a:rPr lang="en-GB" sz="2300" dirty="0">
                 <a:solidFill>
                   <a:srgbClr val="FFFF00"/>
                 </a:solidFill>
               </a:rPr>
-              <a:t>Returns ‘t-statistic’, describing how different means are</a:t>
+              <a:t>Returns ‘t-statistic’, describing how different means </a:t>
             </a:r>
+            <a:r>
+              <a:rPr lang="en-GB" sz="2300" dirty="0" smtClean="0">
+                <a:solidFill>
+                  <a:srgbClr val="FFFF00"/>
+                </a:solidFill>
+              </a:rPr>
+              <a:t>are.</a:t>
+            </a:r>
+            <a:endParaRPr lang="en-GB" sz="2300" dirty="0">
+              <a:solidFill>
+                <a:srgbClr val="FFFF00"/>
+              </a:solidFill>
+            </a:endParaRPr>
           </a:p>
           <a:p>
             <a:pPr marL="801688" lvl="1" indent="-344488" eaLnBrk="0" hangingPunct="0">
@@ -28734,7 +29013,7 @@
               <a:buChar char="-"/>
             </a:pPr>
             <a:r>
-              <a:rPr lang="en-GB" sz="2300">
+              <a:rPr lang="en-GB" sz="2300" dirty="0">
                 <a:solidFill>
                   <a:srgbClr val="FFFF00"/>
                 </a:solidFill>
@@ -28754,14 +29033,14 @@
               <a:buChar char="-"/>
             </a:pPr>
             <a:r>
-              <a:rPr lang="en-GB" sz="2300">
+              <a:rPr lang="en-GB" sz="2300" dirty="0">
                 <a:solidFill>
                   <a:srgbClr val="FFFF00"/>
                 </a:solidFill>
               </a:rPr>
               <a:t>In example, these are -1.1 and 0.28 respectively</a:t>
             </a:r>
-            <a:endParaRPr lang="en-GB" sz="2800"/>
+            <a:endParaRPr lang="en-GB" sz="2800" dirty="0"/>
           </a:p>
           <a:p>
             <a:pPr marL="814388" indent="-814388" eaLnBrk="0" hangingPunct="0">
@@ -28773,18 +29052,18 @@
               </a:spcBef>
             </a:pPr>
             <a:r>
-              <a:rPr lang="en-GB" sz="2800"/>
+              <a:rPr lang="en-GB" sz="2800" dirty="0"/>
               <a:t>Is a probability of 0.28 enough to reject H</a:t>
             </a:r>
             <a:r>
-              <a:rPr lang="en-GB" sz="2800" baseline="-25000"/>
+              <a:rPr lang="en-GB" sz="2800" baseline="-25000" dirty="0"/>
               <a:t>0</a:t>
             </a:r>
             <a:r>
-              <a:rPr lang="en-GB" sz="2800"/>
+              <a:rPr lang="en-GB" sz="2800" dirty="0"/>
               <a:t>?</a:t>
             </a:r>
-            <a:endParaRPr lang="en-GB" sz="2800" i="1" baseline="-25000"/>
+            <a:endParaRPr lang="en-GB" sz="2800" i="1" baseline="-25000" dirty="0"/>
           </a:p>
           <a:p>
             <a:pPr marL="814388" indent="-814388" eaLnBrk="0" hangingPunct="0">
@@ -28795,7 +29074,7 @@
                 <a:spcPct val="20000"/>
               </a:spcBef>
             </a:pPr>
-            <a:endParaRPr lang="en-GB" sz="2800">
+            <a:endParaRPr lang="en-GB" sz="2800" dirty="0">
               <a:solidFill>
                 <a:srgbClr val="FFFF99"/>
               </a:solidFill>
@@ -28810,7 +29089,7 @@
                 <a:spcPct val="20000"/>
               </a:spcBef>
             </a:pPr>
-            <a:endParaRPr lang="en-GB" sz="2800"/>
+            <a:endParaRPr lang="en-GB" sz="2800" dirty="0"/>
           </a:p>
           <a:p>
             <a:pPr marL="814388" indent="-814388" eaLnBrk="0" hangingPunct="0">
@@ -28821,7 +29100,7 @@
                 <a:spcPct val="20000"/>
               </a:spcBef>
             </a:pPr>
-            <a:endParaRPr lang="en-GB" sz="2800"/>
+            <a:endParaRPr lang="en-GB" sz="2800" dirty="0"/>
           </a:p>
           <a:p>
             <a:pPr marL="814388" indent="-814388" eaLnBrk="0" hangingPunct="0">
@@ -28833,7 +29112,7 @@
               </a:spcBef>
             </a:pPr>
             <a:r>
-              <a:rPr lang="en-GB" sz="2800"/>
+              <a:rPr lang="en-GB" sz="2800" dirty="0"/>
               <a:t>			</a:t>
             </a:r>
           </a:p>
@@ -29803,10 +30082,10 @@
               </a:spcBef>
             </a:pPr>
             <a:r>
-              <a:rPr lang="en-GB" sz="2800"/>
+              <a:rPr lang="en-GB" sz="2800" dirty="0"/>
               <a:t>Should have defined what level of probability is ‘enough’ before doing calculation!</a:t>
             </a:r>
-            <a:endParaRPr lang="en-GB" sz="2800" i="1" baseline="-25000"/>
+            <a:endParaRPr lang="en-GB" sz="2800" i="1" baseline="-25000" dirty="0"/>
           </a:p>
           <a:p>
             <a:pPr marL="814388" indent="-814388" eaLnBrk="0" hangingPunct="0">
@@ -29818,9 +30097,14 @@
               </a:spcBef>
             </a:pPr>
             <a:r>
-              <a:rPr lang="en-GB" sz="2800"/>
-              <a:t>This is known as the ‘significance level’</a:t>
+              <a:rPr lang="en-GB" sz="2800" dirty="0"/>
+              <a:t>This is known as the ‘significance level</a:t>
             </a:r>
+            <a:r>
+              <a:rPr lang="en-GB" sz="2800" dirty="0" smtClean="0"/>
+              <a:t>’.</a:t>
+            </a:r>
+            <a:endParaRPr lang="en-GB" sz="2800" dirty="0"/>
           </a:p>
           <a:p>
             <a:pPr marL="814388" indent="-814388" eaLnBrk="0" hangingPunct="0">
@@ -29832,7 +30116,7 @@
               </a:spcBef>
             </a:pPr>
             <a:r>
-              <a:rPr lang="en-GB" sz="2800"/>
+              <a:rPr lang="en-GB" sz="2800" dirty="0"/>
               <a:t>Traditionally set at p=0.05 (5%, 1 in 20), but arbitrary!</a:t>
             </a:r>
           </a:p>
@@ -29846,13 +30130,26 @@
               </a:spcBef>
             </a:pPr>
             <a:r>
-              <a:rPr lang="en-GB" sz="2800">
+              <a:rPr lang="en-GB" sz="2800" dirty="0">
                 <a:solidFill>
                   <a:srgbClr val="FFFF99"/>
                 </a:solidFill>
               </a:rPr>
-              <a:t>	Never set higher in practice</a:t>
+              <a:t>	Never set higher in </a:t>
             </a:r>
+            <a:r>
+              <a:rPr lang="en-GB" sz="2800" dirty="0" smtClean="0">
+                <a:solidFill>
+                  <a:srgbClr val="FFFF99"/>
+                </a:solidFill>
+              </a:rPr>
+              <a:t>practice.</a:t>
+            </a:r>
+            <a:endParaRPr lang="en-GB" sz="2800" dirty="0">
+              <a:solidFill>
+                <a:srgbClr val="FFFF99"/>
+              </a:solidFill>
+            </a:endParaRPr>
           </a:p>
           <a:p>
             <a:pPr marL="814388" indent="-814388" eaLnBrk="0" hangingPunct="0">
@@ -29864,13 +30161,26 @@
               </a:spcBef>
             </a:pPr>
             <a:r>
-              <a:rPr lang="en-GB" sz="2800">
+              <a:rPr lang="en-GB" sz="2800" dirty="0">
                 <a:solidFill>
                   <a:srgbClr val="FFFF99"/>
                 </a:solidFill>
               </a:rPr>
-              <a:t>	In some cases (when being sure is very important) set lower, at p=0.01 or even p=0.001</a:t>
+              <a:t>	In some cases (when being sure is very important) set lower, at p=0.01 or even p=</a:t>
             </a:r>
+            <a:r>
+              <a:rPr lang="en-GB" sz="2800" dirty="0" smtClean="0">
+                <a:solidFill>
+                  <a:srgbClr val="FFFF99"/>
+                </a:solidFill>
+              </a:rPr>
+              <a:t>0.001.</a:t>
+            </a:r>
+            <a:endParaRPr lang="en-GB" sz="2800" dirty="0">
+              <a:solidFill>
+                <a:srgbClr val="FFFF99"/>
+              </a:solidFill>
+            </a:endParaRPr>
           </a:p>
           <a:p>
             <a:pPr marL="814388" indent="-814388" eaLnBrk="0" hangingPunct="0">
@@ -29882,9 +30192,14 @@
               </a:spcBef>
             </a:pPr>
             <a:r>
-              <a:rPr lang="en-GB" sz="2800"/>
-              <a:t>Here result was p=0.28, above 5% significant level</a:t>
+              <a:rPr lang="en-GB" sz="2800" dirty="0"/>
+              <a:t>Here result was p=0.28, above 5% significant </a:t>
             </a:r>
+            <a:r>
+              <a:rPr lang="en-GB" sz="2800" dirty="0" smtClean="0"/>
+              <a:t>level.</a:t>
+            </a:r>
+            <a:endParaRPr lang="en-GB" sz="2800" dirty="0"/>
           </a:p>
           <a:p>
             <a:pPr marL="814388" indent="-814388" eaLnBrk="0" hangingPunct="0">
@@ -29896,26 +30211,30 @@
               </a:spcBef>
             </a:pPr>
             <a:r>
-              <a:rPr lang="en-GB" sz="2800"/>
+              <a:rPr lang="en-GB" sz="2800" dirty="0"/>
               <a:t>Result said to be ‘not significant’ – not enough evidence to accept H</a:t>
             </a:r>
             <a:r>
-              <a:rPr lang="en-GB" sz="2800" baseline="-25000"/>
+              <a:rPr lang="en-GB" sz="2800" baseline="-25000" dirty="0"/>
               <a:t>1</a:t>
             </a:r>
             <a:r>
-              <a:rPr lang="en-GB" sz="2800"/>
+              <a:rPr lang="en-GB" sz="2800" dirty="0"/>
               <a:t>, so reject H</a:t>
             </a:r>
             <a:r>
-              <a:rPr lang="en-GB" sz="2800" baseline="-25000"/>
+              <a:rPr lang="en-GB" sz="2800" baseline="-25000" dirty="0"/>
               <a:t>1 </a:t>
             </a:r>
             <a:r>
-              <a:rPr lang="en-GB" sz="2800"/>
-              <a:t>as unproven</a:t>
+              <a:rPr lang="en-GB" sz="2800" dirty="0"/>
+              <a:t>as </a:t>
             </a:r>
-            <a:endParaRPr lang="en-GB" sz="2400">
+            <a:r>
+              <a:rPr lang="en-GB" sz="2800" dirty="0" smtClean="0"/>
+              <a:t>unproven.</a:t>
+            </a:r>
+            <a:endParaRPr lang="en-GB" sz="2400" dirty="0">
               <a:solidFill>
                 <a:srgbClr val="FFFF00"/>
               </a:solidFill>
@@ -29931,14 +30250,14 @@
               </a:spcBef>
             </a:pPr>
             <a:r>
-              <a:rPr lang="en-GB" sz="2400">
+              <a:rPr lang="en-GB" sz="2400" dirty="0">
                 <a:solidFill>
                   <a:srgbClr val="FFFF00"/>
                 </a:solidFill>
               </a:rPr>
               <a:t>STATISTICAL SIGNIFICANCE DOES NOT IMPLY IMPORTANCE OR STRENGTH OF A RESULT!</a:t>
             </a:r>
-            <a:endParaRPr lang="en-GB" sz="2800">
+            <a:endParaRPr lang="en-GB" sz="2800" dirty="0">
               <a:solidFill>
                 <a:srgbClr val="FFFF00"/>
               </a:solidFill>
@@ -29953,7 +30272,7 @@
                 <a:spcPct val="20000"/>
               </a:spcBef>
             </a:pPr>
-            <a:endParaRPr lang="en-GB" sz="2800"/>
+            <a:endParaRPr lang="en-GB" sz="2800" dirty="0"/>
           </a:p>
           <a:p>
             <a:pPr marL="814388" indent="-814388" eaLnBrk="0" hangingPunct="0">
@@ -29964,7 +30283,7 @@
                 <a:spcPct val="20000"/>
               </a:spcBef>
             </a:pPr>
-            <a:endParaRPr lang="en-GB" sz="2800"/>
+            <a:endParaRPr lang="en-GB" sz="2800" dirty="0"/>
           </a:p>
           <a:p>
             <a:pPr marL="814388" indent="-814388" eaLnBrk="0" hangingPunct="0">
@@ -29975,7 +30294,7 @@
                 <a:spcPct val="20000"/>
               </a:spcBef>
             </a:pPr>
-            <a:endParaRPr lang="en-GB" sz="2800"/>
+            <a:endParaRPr lang="en-GB" sz="2800" dirty="0"/>
           </a:p>
           <a:p>
             <a:pPr marL="814388" indent="-814388" eaLnBrk="0" hangingPunct="0">
@@ -29987,7 +30306,7 @@
               </a:spcBef>
             </a:pPr>
             <a:r>
-              <a:rPr lang="en-GB" sz="2800"/>
+              <a:rPr lang="en-GB" sz="2800" dirty="0"/>
               <a:t>			</a:t>
             </a:r>
           </a:p>
@@ -30835,17 +31154,18 @@
               </a:spcBef>
             </a:pPr>
             <a:r>
-              <a:rPr lang="en-GB" sz="2800"/>
+              <a:rPr lang="en-GB" sz="2800" dirty="0"/>
               <a:t>Test in example is a </a:t>
             </a:r>
             <a:r>
-              <a:rPr lang="en-GB" sz="2800" i="1"/>
+              <a:rPr lang="en-GB" sz="2800" i="1" dirty="0"/>
               <a:t>one-tailed </a:t>
             </a:r>
             <a:r>
-              <a:rPr lang="en-GB" sz="2800"/>
-              <a:t>test</a:t>
+              <a:rPr lang="en-GB" sz="2800" dirty="0" smtClean="0"/>
+              <a:t>test:</a:t>
             </a:r>
+            <a:endParaRPr lang="en-GB" sz="2800" dirty="0"/>
           </a:p>
           <a:p>
             <a:pPr marL="814388" indent="-814388" eaLnBrk="0" hangingPunct="0">
@@ -30857,26 +31177,26 @@
               </a:spcBef>
             </a:pPr>
             <a:r>
-              <a:rPr lang="en-GB" sz="2800"/>
+              <a:rPr lang="en-GB" sz="2800" dirty="0"/>
               <a:t>H</a:t>
             </a:r>
             <a:r>
-              <a:rPr lang="en-GB" sz="2800" baseline="-25000"/>
+              <a:rPr lang="en-GB" sz="2800" baseline="-25000" dirty="0"/>
               <a:t>1</a:t>
             </a:r>
             <a:r>
-              <a:rPr lang="en-GB" sz="2800"/>
+              <a:rPr lang="en-GB" sz="2800" dirty="0"/>
               <a:t> : </a:t>
             </a:r>
             <a:r>
-              <a:rPr lang="en-GB" sz="2400">
+              <a:rPr lang="en-GB" sz="2400" dirty="0">
                 <a:solidFill>
                   <a:srgbClr val="FFFF99"/>
                 </a:solidFill>
               </a:rPr>
               <a:t>‘The mean maximum grain size is higher in sample B than it is in sample A’</a:t>
             </a:r>
-            <a:endParaRPr lang="en-GB" sz="2800"/>
+            <a:endParaRPr lang="en-GB" sz="2800" dirty="0"/>
           </a:p>
           <a:p>
             <a:pPr marL="814388" indent="-814388" eaLnBrk="0" hangingPunct="0">
@@ -30888,23 +31208,23 @@
               </a:spcBef>
             </a:pPr>
             <a:r>
-              <a:rPr lang="en-GB" sz="2800"/>
+              <a:rPr lang="en-GB" sz="2800" dirty="0"/>
               <a:t>Interested in whether mean of B is </a:t>
             </a:r>
             <a:r>
-              <a:rPr lang="en-GB" sz="2800" u="sng"/>
+              <a:rPr lang="en-GB" sz="2800" u="sng" dirty="0"/>
               <a:t>greater</a:t>
             </a:r>
             <a:r>
-              <a:rPr lang="en-GB" sz="2800"/>
+              <a:rPr lang="en-GB" sz="2800" dirty="0"/>
               <a:t> than mean of A, not </a:t>
             </a:r>
             <a:r>
-              <a:rPr lang="en-GB" sz="2800" u="sng"/>
+              <a:rPr lang="en-GB" sz="2800" u="sng" dirty="0"/>
               <a:t>different to</a:t>
             </a:r>
             <a:r>
-              <a:rPr lang="en-GB" sz="2800"/>
+              <a:rPr lang="en-GB" sz="2800" dirty="0"/>
               <a:t> the mean of A</a:t>
             </a:r>
           </a:p>
@@ -30917,7 +31237,7 @@
                 <a:spcPct val="20000"/>
               </a:spcBef>
             </a:pPr>
-            <a:endParaRPr lang="en-GB" sz="2800" u="sng"/>
+            <a:endParaRPr lang="en-GB" sz="2800" u="sng" dirty="0"/>
           </a:p>
           <a:p>
             <a:pPr marL="814388" indent="-814388" eaLnBrk="0" hangingPunct="0">
@@ -30928,7 +31248,7 @@
                 <a:spcPct val="20000"/>
               </a:spcBef>
             </a:pPr>
-            <a:endParaRPr lang="en-GB" sz="2800" u="sng"/>
+            <a:endParaRPr lang="en-GB" sz="2800" u="sng" dirty="0"/>
           </a:p>
           <a:p>
             <a:pPr marL="814388" indent="-814388" eaLnBrk="0" hangingPunct="0">
@@ -30939,7 +31259,7 @@
                 <a:spcPct val="20000"/>
               </a:spcBef>
             </a:pPr>
-            <a:endParaRPr lang="en-GB" sz="2800"/>
+            <a:endParaRPr lang="en-GB" sz="2800" dirty="0"/>
           </a:p>
           <a:p>
             <a:pPr marL="814388" indent="-814388" eaLnBrk="0" hangingPunct="0">
@@ -30950,7 +31270,7 @@
                 <a:spcPct val="20000"/>
               </a:spcBef>
             </a:pPr>
-            <a:endParaRPr lang="en-GB" sz="2800"/>
+            <a:endParaRPr lang="en-GB" sz="2800" dirty="0"/>
           </a:p>
           <a:p>
             <a:pPr marL="814388" indent="-814388" eaLnBrk="0" hangingPunct="0">
@@ -30962,7 +31282,7 @@
               </a:spcBef>
             </a:pPr>
             <a:r>
-              <a:rPr lang="en-GB" sz="2800"/>
+              <a:rPr lang="en-GB" sz="2800" dirty="0"/>
               <a:t>			</a:t>
             </a:r>
           </a:p>
@@ -31013,8 +31333,25 @@
                 <a:latin typeface="Arial" pitchFamily="34" charset="0"/>
                 <a:ea typeface="+mn-ea"/>
               </a:rPr>
-              <a:t>Distribution of all possible t-values</a:t>
+              <a:t>Distribution of all possible t-</a:t>
             </a:r>
+            <a:r>
+              <a:rPr lang="en-GB" sz="2400" dirty="0" smtClean="0">
+                <a:solidFill>
+                  <a:srgbClr val="FFFF00"/>
+                </a:solidFill>
+                <a:latin typeface="Arial" pitchFamily="34" charset="0"/>
+                <a:ea typeface="+mn-ea"/>
+              </a:rPr>
+              <a:t>values.</a:t>
+            </a:r>
+            <a:endParaRPr lang="en-GB" sz="2400" dirty="0">
+              <a:solidFill>
+                <a:srgbClr val="FFFF00"/>
+              </a:solidFill>
+              <a:latin typeface="Arial" pitchFamily="34" charset="0"/>
+              <a:ea typeface="+mn-ea"/>
+            </a:endParaRPr>
           </a:p>
           <a:p>
             <a:pPr marL="814388" indent="-814388" eaLnBrk="0" hangingPunct="0">
@@ -31035,8 +31372,27 @@
                 <a:ea typeface="+mn-ea"/>
                 <a:cs typeface="+mn-cs"/>
               </a:rPr>
-              <a:t>Significant if value falls into blue region</a:t>
+              <a:t>Significant if value falls into blue </a:t>
             </a:r>
+            <a:r>
+              <a:rPr lang="en-GB" sz="2400" dirty="0" smtClean="0">
+                <a:solidFill>
+                  <a:srgbClr val="FFFF00"/>
+                </a:solidFill>
+                <a:latin typeface="Arial" pitchFamily="34" charset="0"/>
+                <a:ea typeface="+mn-ea"/>
+                <a:cs typeface="+mn-cs"/>
+              </a:rPr>
+              <a:t>region,</a:t>
+            </a:r>
+            <a:endParaRPr lang="en-GB" sz="2400" dirty="0">
+              <a:solidFill>
+                <a:srgbClr val="FFFF00"/>
+              </a:solidFill>
+              <a:latin typeface="Arial" pitchFamily="34" charset="0"/>
+              <a:ea typeface="+mn-ea"/>
+              <a:cs typeface="+mn-cs"/>
+            </a:endParaRPr>
           </a:p>
           <a:p>
             <a:pPr marL="814388" indent="-814388" eaLnBrk="0" hangingPunct="0">
@@ -32711,7 +33067,7 @@
               </a:spcBef>
             </a:pPr>
             <a:r>
-              <a:rPr lang="en-GB" sz="2800"/>
+              <a:rPr lang="en-GB" sz="2800" dirty="0"/>
               <a:t>Tails in practice</a:t>
             </a:r>
           </a:p>
@@ -32725,7 +33081,7 @@
               </a:spcBef>
             </a:pPr>
             <a:r>
-              <a:rPr lang="en-GB" sz="2800"/>
+              <a:rPr lang="en-GB" sz="2800" dirty="0"/>
               <a:t>1. Decide if your test is one or two-tailed BEFORE doing it!</a:t>
             </a:r>
           </a:p>
@@ -32739,15 +33095,23 @@
               </a:spcBef>
             </a:pPr>
             <a:r>
-              <a:rPr lang="en-GB" sz="2800"/>
-              <a:t>2. Values returned by scipy.stats functions (e.g. </a:t>
+              <a:rPr lang="en-GB" sz="2800" dirty="0"/>
+              <a:t>2. Values returned by </a:t>
             </a:r>
             <a:r>
-              <a:rPr lang="en-GB" sz="2800" i="1"/>
+              <a:rPr lang="en-GB" sz="2800" dirty="0" err="1"/>
+              <a:t>scipy.stats</a:t>
+            </a:r>
+            <a:r>
+              <a:rPr lang="en-GB" sz="2800" dirty="0"/>
+              <a:t> functions (e.g. </a:t>
+            </a:r>
+            <a:r>
+              <a:rPr lang="en-GB" sz="2800" i="1" dirty="0" err="1"/>
               <a:t>ttest_ind</a:t>
             </a:r>
             <a:r>
-              <a:rPr lang="en-GB" sz="2800"/>
+              <a:rPr lang="en-GB" sz="2800" dirty="0"/>
               <a:t>) are for two-tailed tests (mostly!)</a:t>
             </a:r>
           </a:p>
@@ -32763,7 +33127,7 @@
               <a:buChar char="•"/>
             </a:pPr>
             <a:r>
-              <a:rPr lang="en-GB" sz="2800">
+              <a:rPr lang="en-GB" sz="2800" dirty="0">
                 <a:solidFill>
                   <a:srgbClr val="FFFF00"/>
                 </a:solidFill>
@@ -32783,7 +33147,7 @@
               <a:buChar char="•"/>
             </a:pPr>
             <a:r>
-              <a:rPr lang="en-GB" sz="2800">
+              <a:rPr lang="en-GB" sz="2800" dirty="0">
                 <a:solidFill>
                   <a:srgbClr val="FFFF00"/>
                 </a:solidFill>
@@ -32791,7 +33155,7 @@
               <a:t>	If test is one-tailed, </a:t>
             </a:r>
             <a:r>
-              <a:rPr lang="en-GB" sz="2800" u="sng">
+              <a:rPr lang="en-GB" sz="2800" u="sng" dirty="0">
                 <a:solidFill>
                   <a:srgbClr val="FFFF00"/>
                 </a:solidFill>
@@ -32799,13 +33163,26 @@
               <a:t>halve the p-value</a:t>
             </a:r>
             <a:r>
-              <a:rPr lang="en-GB" sz="2800">
+              <a:rPr lang="en-GB" sz="2800" dirty="0">
                 <a:solidFill>
                   <a:srgbClr val="FFFF00"/>
                 </a:solidFill>
               </a:rPr>
-              <a:t> before interpreting it</a:t>
+              <a:t> before interpreting </a:t>
             </a:r>
+            <a:r>
+              <a:rPr lang="en-GB" sz="2800" dirty="0" smtClean="0">
+                <a:solidFill>
+                  <a:srgbClr val="FFFF00"/>
+                </a:solidFill>
+              </a:rPr>
+              <a:t>it.</a:t>
+            </a:r>
+            <a:endParaRPr lang="en-GB" sz="2800" dirty="0">
+              <a:solidFill>
+                <a:srgbClr val="FFFF00"/>
+              </a:solidFill>
+            </a:endParaRPr>
           </a:p>
           <a:p>
             <a:pPr marL="814388" indent="-814388" eaLnBrk="0" hangingPunct="0">
@@ -32817,9 +33194,22 @@
               </a:spcBef>
             </a:pPr>
             <a:r>
-              <a:rPr lang="en-GB" sz="2800"/>
-              <a:t>In out example p was 0.28 – but this is two-tailed, test was one-tailed</a:t>
+              <a:rPr lang="en-GB" sz="2800" dirty="0"/>
+              <a:t>In </a:t>
             </a:r>
+            <a:r>
+              <a:rPr lang="en-GB" sz="2800" dirty="0" smtClean="0"/>
+              <a:t>our </a:t>
+            </a:r>
+            <a:r>
+              <a:rPr lang="en-GB" sz="2800" dirty="0"/>
+              <a:t>example p was 0.28 – but this is two-tailed, test was one-</a:t>
+            </a:r>
+            <a:r>
+              <a:rPr lang="en-GB" sz="2800" dirty="0" smtClean="0"/>
+              <a:t>tailed.</a:t>
+            </a:r>
+            <a:endParaRPr lang="en-GB" sz="2800" dirty="0"/>
           </a:p>
           <a:p>
             <a:pPr marL="814388" indent="-814388" eaLnBrk="0" hangingPunct="0">
@@ -32831,7 +33221,7 @@
               </a:spcBef>
             </a:pPr>
             <a:r>
-              <a:rPr lang="en-GB" sz="2800"/>
+              <a:rPr lang="en-GB" sz="2800" dirty="0"/>
               <a:t>Actual p value = 0.14 – still not significant (&gt;0.05) – but halving could easily make the difference!</a:t>
             </a:r>
           </a:p>
@@ -32844,7 +33234,7 @@
                 <a:spcPct val="20000"/>
               </a:spcBef>
             </a:pPr>
-            <a:endParaRPr lang="en-GB" sz="2800">
+            <a:endParaRPr lang="en-GB" sz="2800" dirty="0">
               <a:solidFill>
                 <a:srgbClr val="FFFF00"/>
               </a:solidFill>
@@ -32859,7 +33249,7 @@
                 <a:spcPct val="20000"/>
               </a:spcBef>
             </a:pPr>
-            <a:endParaRPr lang="en-GB" sz="2800">
+            <a:endParaRPr lang="en-GB" sz="2800" dirty="0">
               <a:solidFill>
                 <a:srgbClr val="FFFF00"/>
               </a:solidFill>
@@ -32874,7 +33264,7 @@
                 <a:spcPct val="20000"/>
               </a:spcBef>
             </a:pPr>
-            <a:endParaRPr lang="en-GB" sz="2800" u="sng"/>
+            <a:endParaRPr lang="en-GB" sz="2800" u="sng" dirty="0"/>
           </a:p>
           <a:p>
             <a:pPr marL="814388" indent="-814388" eaLnBrk="0" hangingPunct="0">
@@ -32885,7 +33275,7 @@
                 <a:spcPct val="20000"/>
               </a:spcBef>
             </a:pPr>
-            <a:endParaRPr lang="en-GB" sz="2800" u="sng"/>
+            <a:endParaRPr lang="en-GB" sz="2800" u="sng" dirty="0"/>
           </a:p>
           <a:p>
             <a:pPr marL="814388" indent="-814388" eaLnBrk="0" hangingPunct="0">
@@ -32896,7 +33286,7 @@
                 <a:spcPct val="20000"/>
               </a:spcBef>
             </a:pPr>
-            <a:endParaRPr lang="en-GB" sz="2800"/>
+            <a:endParaRPr lang="en-GB" sz="2800" dirty="0"/>
           </a:p>
           <a:p>
             <a:pPr marL="814388" indent="-814388" eaLnBrk="0" hangingPunct="0">
@@ -32907,7 +33297,7 @@
                 <a:spcPct val="20000"/>
               </a:spcBef>
             </a:pPr>
-            <a:endParaRPr lang="en-GB" sz="2800"/>
+            <a:endParaRPr lang="en-GB" sz="2800" dirty="0"/>
           </a:p>
           <a:p>
             <a:pPr marL="814388" indent="-814388" eaLnBrk="0" hangingPunct="0">
@@ -32919,7 +33309,7 @@
               </a:spcBef>
             </a:pPr>
             <a:r>
-              <a:rPr lang="en-GB" sz="2800"/>
+              <a:rPr lang="en-GB" sz="2800" dirty="0"/>
               <a:t>			</a:t>
             </a:r>
           </a:p>
@@ -33706,7 +34096,7 @@
               </a:spcBef>
             </a:pPr>
             <a:r>
-              <a:rPr lang="en-GB" sz="2800"/>
+              <a:rPr lang="en-GB" sz="2800" dirty="0"/>
               <a:t>T-test is the most widely used statistical test...</a:t>
             </a:r>
           </a:p>
@@ -33720,9 +34110,14 @@
               </a:spcBef>
             </a:pPr>
             <a:r>
-              <a:rPr lang="en-GB" sz="2800"/>
-              <a:t>... but not always appropriate</a:t>
+              <a:rPr lang="en-GB" sz="2800" dirty="0"/>
+              <a:t>... but not always </a:t>
             </a:r>
+            <a:r>
+              <a:rPr lang="en-GB" sz="2800" dirty="0" smtClean="0"/>
+              <a:t>appropriate.</a:t>
+            </a:r>
+            <a:endParaRPr lang="en-GB" sz="2800" dirty="0"/>
           </a:p>
           <a:p>
             <a:pPr marL="814388" indent="-814388" eaLnBrk="0" hangingPunct="0">
@@ -33734,9 +34129,14 @@
               </a:spcBef>
             </a:pPr>
             <a:r>
-              <a:rPr lang="en-GB" sz="2800"/>
-              <a:t>Makes several assumptions</a:t>
+              <a:rPr lang="en-GB" sz="2800" dirty="0"/>
+              <a:t>Makes several </a:t>
             </a:r>
+            <a:r>
+              <a:rPr lang="en-GB" sz="2800" dirty="0" smtClean="0"/>
+              <a:t>assumptions.</a:t>
+            </a:r>
+            <a:endParaRPr lang="en-GB" sz="2800" dirty="0"/>
           </a:p>
           <a:p>
             <a:pPr marL="814388" indent="-814388" eaLnBrk="0" hangingPunct="0">
@@ -33748,9 +34148,14 @@
               </a:spcBef>
             </a:pPr>
             <a:r>
-              <a:rPr lang="en-GB" sz="2800"/>
-              <a:t>Sensible results need reasonably large sample sizes</a:t>
+              <a:rPr lang="en-GB" sz="2800" dirty="0"/>
+              <a:t>Sensible results need reasonably large sample </a:t>
             </a:r>
+            <a:r>
+              <a:rPr lang="en-GB" sz="2800" dirty="0" smtClean="0"/>
+              <a:t>sizes:</a:t>
+            </a:r>
+            <a:endParaRPr lang="en-GB" sz="2800" dirty="0"/>
           </a:p>
           <a:p>
             <a:pPr marL="1271588" lvl="1" indent="-374650" eaLnBrk="0" hangingPunct="0">
@@ -33764,13 +34169,26 @@
               <a:buChar char="•"/>
             </a:pPr>
             <a:r>
-              <a:rPr lang="en-GB" sz="2800">
+              <a:rPr lang="en-GB" sz="2800" dirty="0">
                 <a:solidFill>
                   <a:srgbClr val="FFFF00"/>
                 </a:solidFill>
               </a:rPr>
-              <a:t>No real agreement on what is OK</a:t>
+              <a:t>No real agreement on what is </a:t>
             </a:r>
+            <a:r>
+              <a:rPr lang="en-GB" sz="2800" dirty="0" smtClean="0">
+                <a:solidFill>
+                  <a:srgbClr val="FFFF00"/>
+                </a:solidFill>
+              </a:rPr>
+              <a:t>sufficient.</a:t>
+            </a:r>
+            <a:endParaRPr lang="en-GB" sz="2800" dirty="0">
+              <a:solidFill>
+                <a:srgbClr val="FFFF00"/>
+              </a:solidFill>
+            </a:endParaRPr>
           </a:p>
           <a:p>
             <a:pPr marL="1271588" lvl="1" indent="-374650" eaLnBrk="0" hangingPunct="0">
@@ -33784,33 +34202,34 @@
               <a:buChar char="•"/>
             </a:pPr>
             <a:r>
-              <a:rPr lang="en-GB" sz="2800">
+              <a:rPr lang="en-GB" sz="2800" dirty="0" smtClean="0">
                 <a:solidFill>
                   <a:srgbClr val="FFFF00"/>
                 </a:solidFill>
               </a:rPr>
-              <a:t>10 minimum is a good rule of thumb</a:t>
+              <a:t>This </a:t>
             </a:r>
-          </a:p>
-          <a:p>
-            <a:pPr marL="1271588" lvl="1" indent="-374650" eaLnBrk="0" hangingPunct="0">
-              <a:lnSpc>
-                <a:spcPct val="110000"/>
-              </a:lnSpc>
-              <a:spcBef>
-                <a:spcPct val="20000"/>
-              </a:spcBef>
-              <a:buFont typeface="Arial" charset="0"/>
-              <a:buChar char="•"/>
-            </a:pPr>
             <a:r>
-              <a:rPr lang="en-GB" sz="2800">
+              <a:rPr lang="en-GB" sz="2800" dirty="0">
                 <a:solidFill>
                   <a:srgbClr val="FFFF00"/>
                 </a:solidFill>
               </a:rPr>
-              <a:t>This applies to other tests too</a:t>
+              <a:t>applies to other tests </a:t>
             </a:r>
+            <a:r>
+              <a:rPr lang="en-GB" sz="2800" dirty="0" smtClean="0">
+                <a:solidFill>
+                  <a:srgbClr val="FFFF00"/>
+                </a:solidFill>
+              </a:rPr>
+              <a:t>too.</a:t>
+            </a:r>
+            <a:endParaRPr lang="en-GB" sz="2800" dirty="0">
+              <a:solidFill>
+                <a:srgbClr val="FFFF00"/>
+              </a:solidFill>
+            </a:endParaRPr>
           </a:p>
           <a:p>
             <a:pPr marL="814388" indent="-814388" eaLnBrk="0" hangingPunct="0">
@@ -33822,9 +34241,14 @@
               </a:spcBef>
             </a:pPr>
             <a:r>
-              <a:rPr lang="en-GB" sz="2800"/>
-              <a:t>Assumes data in samples is normally distributed</a:t>
+              <a:rPr lang="en-GB" sz="2800" dirty="0"/>
+              <a:t>Assumes data in samples is normally </a:t>
             </a:r>
+            <a:r>
+              <a:rPr lang="en-GB" sz="2800" dirty="0" smtClean="0"/>
+              <a:t>distributed:</a:t>
+            </a:r>
+            <a:endParaRPr lang="en-GB" sz="2800" dirty="0"/>
           </a:p>
           <a:p>
             <a:pPr marL="814388" indent="-814388" eaLnBrk="0" hangingPunct="0">
@@ -33836,13 +34260,26 @@
               </a:spcBef>
             </a:pPr>
             <a:r>
-              <a:rPr lang="en-GB" sz="2800">
+              <a:rPr lang="en-GB" sz="2800" dirty="0">
                 <a:solidFill>
                   <a:srgbClr val="FFFF99"/>
                 </a:solidFill>
               </a:rPr>
-              <a:t>	May or may not really be true</a:t>
+              <a:t>	May or may not really be </a:t>
             </a:r>
+            <a:r>
+              <a:rPr lang="en-GB" sz="2800" dirty="0" smtClean="0">
+                <a:solidFill>
+                  <a:srgbClr val="FFFF99"/>
+                </a:solidFill>
+              </a:rPr>
+              <a:t>true.</a:t>
+            </a:r>
+            <a:endParaRPr lang="en-GB" sz="2800" dirty="0">
+              <a:solidFill>
+                <a:srgbClr val="FFFF99"/>
+              </a:solidFill>
+            </a:endParaRPr>
           </a:p>
           <a:p>
             <a:pPr marL="814388" indent="-814388" eaLnBrk="0" hangingPunct="0">
@@ -33854,13 +34291,26 @@
               </a:spcBef>
             </a:pPr>
             <a:r>
-              <a:rPr lang="en-GB" sz="2800">
+              <a:rPr lang="en-GB" sz="2800" dirty="0">
                 <a:solidFill>
                   <a:srgbClr val="FFFF99"/>
                 </a:solidFill>
               </a:rPr>
-              <a:t>	If not – consider using non-parametric tests </a:t>
+              <a:t>	If not – consider using non-parametric </a:t>
             </a:r>
+            <a:r>
+              <a:rPr lang="en-GB" sz="2800" dirty="0" smtClean="0">
+                <a:solidFill>
+                  <a:srgbClr val="FFFF99"/>
+                </a:solidFill>
+              </a:rPr>
+              <a:t>tests. </a:t>
+            </a:r>
+            <a:endParaRPr lang="en-GB" sz="2800" dirty="0">
+              <a:solidFill>
+                <a:srgbClr val="FFFF99"/>
+              </a:solidFill>
+            </a:endParaRPr>
           </a:p>
           <a:p>
             <a:pPr marL="814388" indent="-814388" eaLnBrk="0" hangingPunct="0">
@@ -33871,7 +34321,7 @@
                 <a:spcPct val="20000"/>
               </a:spcBef>
             </a:pPr>
-            <a:endParaRPr lang="en-GB" sz="2800"/>
+            <a:endParaRPr lang="en-GB" sz="2800" dirty="0"/>
           </a:p>
           <a:p>
             <a:pPr marL="814388" indent="-814388" eaLnBrk="0" hangingPunct="0">
@@ -33882,7 +34332,7 @@
                 <a:spcPct val="20000"/>
               </a:spcBef>
             </a:pPr>
-            <a:endParaRPr lang="en-GB" sz="2800"/>
+            <a:endParaRPr lang="en-GB" sz="2800" dirty="0"/>
           </a:p>
           <a:p>
             <a:pPr marL="814388" indent="-814388" eaLnBrk="0" hangingPunct="0">
@@ -33894,7 +34344,7 @@
               </a:spcBef>
             </a:pPr>
             <a:r>
-              <a:rPr lang="en-GB" sz="2800"/>
+              <a:rPr lang="en-GB" sz="2800" dirty="0"/>
               <a:t>			</a:t>
             </a:r>
           </a:p>
@@ -34493,7 +34943,7 @@
                                         <p:tgtEl>
                                           <p:spTgt spid="11">
                                             <p:txEl>
-                                              <p:pRg st="9" end="9"/>
+                                              <p:pRg st="11" end="11"/>
                                             </p:txEl>
                                           </p:spTgt>
                                         </p:tgtEl>
@@ -34511,68 +34961,7 @@
                                         <p:tgtEl>
                                           <p:spTgt spid="11">
                                             <p:txEl>
-                                              <p:pRg st="9" end="9"/>
-                                            </p:txEl>
-                                          </p:spTgt>
-                                        </p:tgtEl>
-                                      </p:cBhvr>
-                                    </p:animEffect>
-                                  </p:childTnLst>
-                                </p:cTn>
-                              </p:par>
-                            </p:childTnLst>
-                          </p:cTn>
-                        </p:par>
-                      </p:childTnLst>
-                    </p:cTn>
-                  </p:par>
-                  <p:par>
-                    <p:cTn id="53" fill="hold" nodeType="clickPar">
-                      <p:stCondLst>
-                        <p:cond delay="indefinite"/>
-                      </p:stCondLst>
-                      <p:childTnLst>
-                        <p:par>
-                          <p:cTn id="54" fill="hold" nodeType="withGroup">
-                            <p:stCondLst>
-                              <p:cond delay="0"/>
-                            </p:stCondLst>
-                            <p:childTnLst>
-                              <p:par>
-                                <p:cTn id="55" presetID="10" presetClass="entr" presetSubtype="0" fill="hold" grpId="0" nodeType="clickEffect">
-                                  <p:stCondLst>
-                                    <p:cond delay="0"/>
-                                  </p:stCondLst>
-                                  <p:childTnLst>
-                                    <p:set>
-                                      <p:cBhvr>
-                                        <p:cTn id="56" dur="1" fill="hold">
-                                          <p:stCondLst>
-                                            <p:cond delay="0"/>
-                                          </p:stCondLst>
-                                        </p:cTn>
-                                        <p:tgtEl>
-                                          <p:spTgt spid="11">
-                                            <p:txEl>
-                                              <p:pRg st="12" end="12"/>
-                                            </p:txEl>
-                                          </p:spTgt>
-                                        </p:tgtEl>
-                                        <p:attrNameLst>
-                                          <p:attrName>style.visibility</p:attrName>
-                                        </p:attrNameLst>
-                                      </p:cBhvr>
-                                      <p:to>
-                                        <p:strVal val="visible"/>
-                                      </p:to>
-                                    </p:set>
-                                    <p:animEffect transition="in" filter="fade">
-                                      <p:cBhvr>
-                                        <p:cTn id="57" dur="500"/>
-                                        <p:tgtEl>
-                                          <p:spTgt spid="11">
-                                            <p:txEl>
-                                              <p:pRg st="12" end="12"/>
+                                              <p:pRg st="11" end="11"/>
                                             </p:txEl>
                                           </p:spTgt>
                                         </p:tgtEl>

--- a/slides/CSFG7.pptx
+++ b/slides/CSFG7.pptx
@@ -10882,7 +10882,23 @@
                   <a:srgbClr val="FFFF99"/>
                 </a:solidFill>
               </a:rPr>
-              <a:t>... Spearman R is 0.19, p=0.067 – not significant!</a:t>
+              <a:t>... Spearman R is 0.19, p=</a:t>
+            </a:r>
+            <a:r>
+              <a:rPr lang="en-GB" sz="2800" dirty="0" smtClean="0">
+                <a:solidFill>
+                  <a:srgbClr val="FFFF99"/>
+                </a:solidFill>
+              </a:rPr>
+              <a:t>0.087 </a:t>
+            </a:r>
+            <a:r>
+              <a:rPr lang="en-GB" sz="2800" dirty="0">
+                <a:solidFill>
+                  <a:srgbClr val="FFFF99"/>
+                </a:solidFill>
+              </a:rPr>
+              <a:t>– not significant!</a:t>
             </a:r>
           </a:p>
           <a:p>
@@ -32254,15 +32270,15 @@
               </a:spcBef>
             </a:pPr>
             <a:r>
-              <a:rPr lang="en-GB" sz="2800"/>
+              <a:rPr lang="en-GB" sz="2800" dirty="0"/>
               <a:t>Some tests are </a:t>
             </a:r>
             <a:r>
-              <a:rPr lang="en-GB" sz="2800" i="1"/>
+              <a:rPr lang="en-GB" sz="2800" i="1" dirty="0"/>
               <a:t>two-tailed </a:t>
             </a:r>
             <a:r>
-              <a:rPr lang="en-GB" sz="2800"/>
+              <a:rPr lang="en-GB" sz="2800" dirty="0"/>
               <a:t>tests</a:t>
             </a:r>
           </a:p>
@@ -32276,26 +32292,26 @@
               </a:spcBef>
             </a:pPr>
             <a:r>
-              <a:rPr lang="en-GB" sz="2800"/>
+              <a:rPr lang="en-GB" sz="2800" dirty="0"/>
               <a:t>H</a:t>
             </a:r>
             <a:r>
-              <a:rPr lang="en-GB" sz="2800" baseline="-25000"/>
+              <a:rPr lang="en-GB" sz="2800" baseline="-25000" dirty="0"/>
               <a:t>1</a:t>
             </a:r>
             <a:r>
-              <a:rPr lang="en-GB" sz="2800"/>
+              <a:rPr lang="en-GB" sz="2800" dirty="0"/>
               <a:t> : </a:t>
             </a:r>
             <a:r>
-              <a:rPr lang="en-GB" sz="2400">
+              <a:rPr lang="en-GB" sz="2400" dirty="0">
                 <a:solidFill>
                   <a:srgbClr val="FFFF99"/>
                 </a:solidFill>
               </a:rPr>
               <a:t>‘The mean maximum grain size is different in the two samples’</a:t>
             </a:r>
-            <a:endParaRPr lang="en-GB" sz="2800"/>
+            <a:endParaRPr lang="en-GB" sz="2800" dirty="0"/>
           </a:p>
           <a:p>
             <a:pPr marL="814388" indent="-814388" eaLnBrk="0" hangingPunct="0">
@@ -32307,7 +32323,7 @@
               </a:spcBef>
             </a:pPr>
             <a:r>
-              <a:rPr lang="en-GB" sz="2800"/>
+              <a:rPr lang="en-GB" sz="2800" dirty="0"/>
               <a:t>Two possible ways it can be different – higher than OR lower than</a:t>
             </a:r>
           </a:p>
@@ -32320,7 +32336,7 @@
                 <a:spcPct val="20000"/>
               </a:spcBef>
             </a:pPr>
-            <a:endParaRPr lang="en-GB" sz="2800" u="sng"/>
+            <a:endParaRPr lang="en-GB" sz="2800" u="sng" dirty="0"/>
           </a:p>
           <a:p>
             <a:pPr marL="814388" indent="-814388" eaLnBrk="0" hangingPunct="0">
@@ -32331,7 +32347,7 @@
                 <a:spcPct val="20000"/>
               </a:spcBef>
             </a:pPr>
-            <a:endParaRPr lang="en-GB" sz="2800" u="sng"/>
+            <a:endParaRPr lang="en-GB" sz="2800" u="sng" dirty="0"/>
           </a:p>
           <a:p>
             <a:pPr marL="814388" indent="-814388" eaLnBrk="0" hangingPunct="0">
@@ -32342,7 +32358,7 @@
                 <a:spcPct val="20000"/>
               </a:spcBef>
             </a:pPr>
-            <a:endParaRPr lang="en-GB" sz="2800"/>
+            <a:endParaRPr lang="en-GB" sz="2800" dirty="0"/>
           </a:p>
           <a:p>
             <a:pPr marL="814388" indent="-814388" eaLnBrk="0" hangingPunct="0">
@@ -32353,7 +32369,7 @@
                 <a:spcPct val="20000"/>
               </a:spcBef>
             </a:pPr>
-            <a:endParaRPr lang="en-GB" sz="2800"/>
+            <a:endParaRPr lang="en-GB" sz="2800" dirty="0"/>
           </a:p>
           <a:p>
             <a:pPr marL="814388" indent="-814388" eaLnBrk="0" hangingPunct="0">
@@ -32365,7 +32381,7 @@
               </a:spcBef>
             </a:pPr>
             <a:r>
-              <a:rPr lang="en-GB" sz="2800"/>
+              <a:rPr lang="en-GB" sz="2800" dirty="0"/>
               <a:t>			</a:t>
             </a:r>
           </a:p>
